--- a/Powerpoint2.pptx
+++ b/Powerpoint2.pptx
@@ -110,6 +110,11 @@
       </a:defRPr>
     </a:lvl9pPr>
   </p:defaultTextStyle>
+  <p:extLst>
+    <p:ext uri="{EFAFB233-063F-42B5-8137-9DF3F51BA10A}">
+      <p15:sldGuideLst xmlns:p15="http://schemas.microsoft.com/office/powerpoint/2012/main"/>
+    </p:ext>
+  </p:extLst>
 </p:presentation>
 </file>
 
@@ -195,7 +200,7 @@
           <a:p>
             <a:fld id="{F733D72C-ED6E-4901-A8E2-D82EA7124DA0}" type="datetimeFigureOut">
               <a:rPr lang="en-NZ" smtClean="0"/>
-              <a:t>19/05/2022</a:t>
+              <a:t>20/05/2022</a:t>
             </a:fld>
             <a:endParaRPr lang="en-NZ"/>
           </a:p>
@@ -528,90 +533,6 @@
           <a:p>
             <a:fld id="{528BD965-EA10-4499-B691-D29666DBCB81}" type="slidenum">
               <a:rPr lang="en-NZ" smtClean="0"/>
-              <a:t>2</a:t>
-            </a:fld>
-            <a:endParaRPr lang="en-NZ"/>
-          </a:p>
-        </p:txBody>
-      </p:sp>
-    </p:spTree>
-    <p:extLst>
-      <p:ext uri="{BB962C8B-B14F-4D97-AF65-F5344CB8AC3E}">
-        <p14:creationId xmlns:p14="http://schemas.microsoft.com/office/powerpoint/2010/main" val="4197609834"/>
-      </p:ext>
-    </p:extLst>
-  </p:cSld>
-  <p:clrMapOvr>
-    <a:masterClrMapping/>
-  </p:clrMapOvr>
-</p:notes>
-</file>
-
-<file path=ppt/notesSlides/notesSlide2.xml><?xml version="1.0" encoding="utf-8"?>
-<p:notes xmlns:a="http://schemas.openxmlformats.org/drawingml/2006/main" xmlns:r="http://schemas.openxmlformats.org/officeDocument/2006/relationships" xmlns:p="http://schemas.openxmlformats.org/presentationml/2006/main">
-  <p:cSld>
-    <p:spTree>
-      <p:nvGrpSpPr>
-        <p:cNvPr id="1" name=""/>
-        <p:cNvGrpSpPr/>
-        <p:nvPr/>
-      </p:nvGrpSpPr>
-      <p:grpSpPr>
-        <a:xfrm>
-          <a:off x="0" y="0"/>
-          <a:ext cx="0" cy="0"/>
-          <a:chOff x="0" y="0"/>
-          <a:chExt cx="0" cy="0"/>
-        </a:xfrm>
-      </p:grpSpPr>
-      <p:sp>
-        <p:nvSpPr>
-          <p:cNvPr id="2" name="Slide Image Placeholder 1"/>
-          <p:cNvSpPr>
-            <a:spLocks noGrp="1" noRot="1" noChangeAspect="1"/>
-          </p:cNvSpPr>
-          <p:nvPr>
-            <p:ph type="sldImg"/>
-          </p:nvPr>
-        </p:nvSpPr>
-        <p:spPr/>
-      </p:sp>
-      <p:sp>
-        <p:nvSpPr>
-          <p:cNvPr id="3" name="Notes Placeholder 2"/>
-          <p:cNvSpPr>
-            <a:spLocks noGrp="1"/>
-          </p:cNvSpPr>
-          <p:nvPr>
-            <p:ph type="body" idx="1"/>
-          </p:nvPr>
-        </p:nvSpPr>
-        <p:spPr/>
-        <p:txBody>
-          <a:bodyPr/>
-          <a:lstStyle/>
-          <a:p>
-            <a:endParaRPr lang="en-NZ" dirty="0"/>
-          </a:p>
-        </p:txBody>
-      </p:sp>
-      <p:sp>
-        <p:nvSpPr>
-          <p:cNvPr id="4" name="Slide Number Placeholder 3"/>
-          <p:cNvSpPr>
-            <a:spLocks noGrp="1"/>
-          </p:cNvSpPr>
-          <p:nvPr>
-            <p:ph type="sldNum" sz="quarter" idx="5"/>
-          </p:nvPr>
-        </p:nvSpPr>
-        <p:spPr/>
-        <p:txBody>
-          <a:bodyPr/>
-          <a:lstStyle/>
-          <a:p>
-            <a:fld id="{528BD965-EA10-4499-B691-D29666DBCB81}" type="slidenum">
-              <a:rPr lang="en-NZ" smtClean="0"/>
               <a:t>3</a:t>
             </a:fld>
             <a:endParaRPr lang="en-NZ"/>
@@ -631,7 +552,7 @@
 </p:notes>
 </file>
 
-<file path=ppt/notesSlides/notesSlide3.xml><?xml version="1.0" encoding="utf-8"?>
+<file path=ppt/notesSlides/notesSlide2.xml><?xml version="1.0" encoding="utf-8"?>
 <p:notes xmlns:a="http://schemas.openxmlformats.org/drawingml/2006/main" xmlns:r="http://schemas.openxmlformats.org/officeDocument/2006/relationships" xmlns:p="http://schemas.openxmlformats.org/presentationml/2006/main">
   <p:cSld>
     <p:spTree>
@@ -867,7 +788,7 @@
           <a:p>
             <a:fld id="{E6C1BAA4-421C-44DA-8278-B8B566C2C371}" type="datetimeFigureOut">
               <a:rPr lang="en-NZ" smtClean="0"/>
-              <a:t>19/05/2022</a:t>
+              <a:t>20/05/2022</a:t>
             </a:fld>
             <a:endParaRPr lang="en-NZ"/>
           </a:p>
@@ -1067,7 +988,7 @@
           <a:p>
             <a:fld id="{E6C1BAA4-421C-44DA-8278-B8B566C2C371}" type="datetimeFigureOut">
               <a:rPr lang="en-NZ" smtClean="0"/>
-              <a:t>19/05/2022</a:t>
+              <a:t>20/05/2022</a:t>
             </a:fld>
             <a:endParaRPr lang="en-NZ"/>
           </a:p>
@@ -1277,7 +1198,7 @@
           <a:p>
             <a:fld id="{E6C1BAA4-421C-44DA-8278-B8B566C2C371}" type="datetimeFigureOut">
               <a:rPr lang="en-NZ" smtClean="0"/>
-              <a:t>19/05/2022</a:t>
+              <a:t>20/05/2022</a:t>
             </a:fld>
             <a:endParaRPr lang="en-NZ"/>
           </a:p>
@@ -1477,7 +1398,7 @@
           <a:p>
             <a:fld id="{E6C1BAA4-421C-44DA-8278-B8B566C2C371}" type="datetimeFigureOut">
               <a:rPr lang="en-NZ" smtClean="0"/>
-              <a:t>19/05/2022</a:t>
+              <a:t>20/05/2022</a:t>
             </a:fld>
             <a:endParaRPr lang="en-NZ"/>
           </a:p>
@@ -1753,7 +1674,7 @@
           <a:p>
             <a:fld id="{E6C1BAA4-421C-44DA-8278-B8B566C2C371}" type="datetimeFigureOut">
               <a:rPr lang="en-NZ" smtClean="0"/>
-              <a:t>19/05/2022</a:t>
+              <a:t>20/05/2022</a:t>
             </a:fld>
             <a:endParaRPr lang="en-NZ"/>
           </a:p>
@@ -2021,7 +1942,7 @@
           <a:p>
             <a:fld id="{E6C1BAA4-421C-44DA-8278-B8B566C2C371}" type="datetimeFigureOut">
               <a:rPr lang="en-NZ" smtClean="0"/>
-              <a:t>19/05/2022</a:t>
+              <a:t>20/05/2022</a:t>
             </a:fld>
             <a:endParaRPr lang="en-NZ"/>
           </a:p>
@@ -2436,7 +2357,7 @@
           <a:p>
             <a:fld id="{E6C1BAA4-421C-44DA-8278-B8B566C2C371}" type="datetimeFigureOut">
               <a:rPr lang="en-NZ" smtClean="0"/>
-              <a:t>19/05/2022</a:t>
+              <a:t>20/05/2022</a:t>
             </a:fld>
             <a:endParaRPr lang="en-NZ"/>
           </a:p>
@@ -2578,7 +2499,7 @@
           <a:p>
             <a:fld id="{E6C1BAA4-421C-44DA-8278-B8B566C2C371}" type="datetimeFigureOut">
               <a:rPr lang="en-NZ" smtClean="0"/>
-              <a:t>19/05/2022</a:t>
+              <a:t>20/05/2022</a:t>
             </a:fld>
             <a:endParaRPr lang="en-NZ"/>
           </a:p>
@@ -2691,7 +2612,7 @@
           <a:p>
             <a:fld id="{E6C1BAA4-421C-44DA-8278-B8B566C2C371}" type="datetimeFigureOut">
               <a:rPr lang="en-NZ" smtClean="0"/>
-              <a:t>19/05/2022</a:t>
+              <a:t>20/05/2022</a:t>
             </a:fld>
             <a:endParaRPr lang="en-NZ"/>
           </a:p>
@@ -3004,7 +2925,7 @@
           <a:p>
             <a:fld id="{E6C1BAA4-421C-44DA-8278-B8B566C2C371}" type="datetimeFigureOut">
               <a:rPr lang="en-NZ" smtClean="0"/>
-              <a:t>19/05/2022</a:t>
+              <a:t>20/05/2022</a:t>
             </a:fld>
             <a:endParaRPr lang="en-NZ"/>
           </a:p>
@@ -3293,7 +3214,7 @@
           <a:p>
             <a:fld id="{E6C1BAA4-421C-44DA-8278-B8B566C2C371}" type="datetimeFigureOut">
               <a:rPr lang="en-NZ" smtClean="0"/>
-              <a:t>19/05/2022</a:t>
+              <a:t>20/05/2022</a:t>
             </a:fld>
             <a:endParaRPr lang="en-NZ"/>
           </a:p>
@@ -3536,7 +3457,7 @@
           <a:p>
             <a:fld id="{E6C1BAA4-421C-44DA-8278-B8B566C2C371}" type="datetimeFigureOut">
               <a:rPr lang="en-NZ" smtClean="0"/>
-              <a:t>19/05/2022</a:t>
+              <a:t>20/05/2022</a:t>
             </a:fld>
             <a:endParaRPr lang="en-NZ"/>
           </a:p>
@@ -4794,107 +4715,22 @@
       </p:grpSpPr>
       <p:sp>
         <p:nvSpPr>
-          <p:cNvPr id="3" name="Text Placeholder 2">
-            <a:extLst>
-              <a:ext uri="{FF2B5EF4-FFF2-40B4-BE49-F238E27FC236}">
-                <a16:creationId xmlns:a16="http://schemas.microsoft.com/office/drawing/2014/main" id="{7484C2A0-BB92-53F8-7871-C274582E5478}"/>
-              </a:ext>
-            </a:extLst>
-          </p:cNvPr>
-          <p:cNvSpPr>
-            <a:spLocks noGrp="1"/>
-          </p:cNvSpPr>
-          <p:nvPr>
-            <p:ph type="body" idx="1"/>
-          </p:nvPr>
+          <p:cNvPr id="2" name="Content Placeholder 2">
+            <a:extLst>
+              <a:ext uri="{FF2B5EF4-FFF2-40B4-BE49-F238E27FC236}">
+                <a16:creationId xmlns:a16="http://schemas.microsoft.com/office/drawing/2014/main" id="{9FF568A7-8327-DF08-21E2-6835A8A4898B}"/>
+              </a:ext>
+            </a:extLst>
+          </p:cNvPr>
+          <p:cNvSpPr txBox="1">
+            <a:spLocks/>
+          </p:cNvSpPr>
+          <p:nvPr/>
         </p:nvSpPr>
         <p:spPr>
           <a:xfrm>
-            <a:off x="210552" y="303792"/>
-            <a:ext cx="3672000" cy="757991"/>
-          </a:xfrm>
-        </p:spPr>
-        <p:txBody>
-          <a:bodyPr>
-            <a:normAutofit/>
-          </a:bodyPr>
-          <a:lstStyle/>
-          <a:p>
-            <a:r>
-              <a:rPr lang="en-NZ" sz="3200" dirty="0"/>
-              <a:t>-	</a:t>
-            </a:r>
-          </a:p>
-        </p:txBody>
-      </p:sp>
-      <p:sp>
-        <p:nvSpPr>
-          <p:cNvPr id="6" name="Content Placeholder 5">
-            <a:extLst>
-              <a:ext uri="{FF2B5EF4-FFF2-40B4-BE49-F238E27FC236}">
-                <a16:creationId xmlns:a16="http://schemas.microsoft.com/office/drawing/2014/main" id="{0306A27D-C969-F45F-6D74-7EAD1E4148E4}"/>
-              </a:ext>
-            </a:extLst>
-          </p:cNvPr>
-          <p:cNvSpPr>
-            <a:spLocks noGrp="1"/>
-          </p:cNvSpPr>
-          <p:nvPr>
-            <p:ph sz="quarter" idx="4"/>
-          </p:nvPr>
-        </p:nvSpPr>
-        <p:spPr>
-          <a:xfrm>
-            <a:off x="210552" y="1191128"/>
-            <a:ext cx="3852000" cy="5468351"/>
-          </a:xfrm>
-        </p:spPr>
-        <p:style>
-          <a:lnRef idx="2">
-            <a:schemeClr val="accent3"/>
-          </a:lnRef>
-          <a:fillRef idx="1">
-            <a:schemeClr val="lt1"/>
-          </a:fillRef>
-          <a:effectRef idx="0">
-            <a:schemeClr val="accent3"/>
-          </a:effectRef>
-          <a:fontRef idx="minor">
-            <a:schemeClr val="dk1"/>
-          </a:fontRef>
-        </p:style>
-        <p:txBody>
-          <a:bodyPr/>
-          <a:lstStyle/>
-          <a:p>
-            <a:pPr marL="0" indent="0">
-              <a:buNone/>
-            </a:pPr>
-            <a:r>
-              <a:rPr lang="en-NZ" dirty="0"/>
-              <a:t>1</a:t>
-            </a:r>
-          </a:p>
-        </p:txBody>
-      </p:sp>
-      <p:sp>
-        <p:nvSpPr>
-          <p:cNvPr id="9" name="Content Placeholder 5">
-            <a:extLst>
-              <a:ext uri="{FF2B5EF4-FFF2-40B4-BE49-F238E27FC236}">
-                <a16:creationId xmlns:a16="http://schemas.microsoft.com/office/drawing/2014/main" id="{B382BD9E-F28D-7B1B-C156-7896EE53D56D}"/>
-              </a:ext>
-            </a:extLst>
-          </p:cNvPr>
-          <p:cNvSpPr txBox="1">
-            <a:spLocks/>
-          </p:cNvSpPr>
-          <p:nvPr/>
-        </p:nvSpPr>
-        <p:spPr>
-          <a:xfrm>
-            <a:off x="4191236" y="1191127"/>
-            <a:ext cx="3852000" cy="5468351"/>
+            <a:off x="107781" y="102841"/>
+            <a:ext cx="7685400" cy="6652317"/>
           </a:xfrm>
           <a:prstGeom prst="rect">
             <a:avLst/>
@@ -4915,7 +4751,7 @@
           </a:fontRef>
         </p:style>
         <p:txBody>
-          <a:bodyPr vert="horz" lIns="91440" tIns="45720" rIns="91440" bIns="45720" rtlCol="0">
+          <a:bodyPr>
             <a:normAutofit/>
           </a:bodyPr>
           <a:lstStyle>
@@ -4930,7 +4766,7 @@
               <a:buChar char="•"/>
               <a:defRPr sz="2800" kern="1200">
                 <a:solidFill>
-                  <a:schemeClr val="dk1"/>
+                  <a:schemeClr val="tx1"/>
                 </a:solidFill>
                 <a:latin typeface="+mn-lt"/>
                 <a:ea typeface="+mn-ea"/>
@@ -4948,7 +4784,7 @@
               <a:buChar char="•"/>
               <a:defRPr sz="2400" kern="1200">
                 <a:solidFill>
-                  <a:schemeClr val="dk1"/>
+                  <a:schemeClr val="tx1"/>
                 </a:solidFill>
                 <a:latin typeface="+mn-lt"/>
                 <a:ea typeface="+mn-ea"/>
@@ -4966,7 +4802,7 @@
               <a:buChar char="•"/>
               <a:defRPr sz="2000" kern="1200">
                 <a:solidFill>
-                  <a:schemeClr val="dk1"/>
+                  <a:schemeClr val="tx1"/>
                 </a:solidFill>
                 <a:latin typeface="+mn-lt"/>
                 <a:ea typeface="+mn-ea"/>
@@ -4984,7 +4820,7 @@
               <a:buChar char="•"/>
               <a:defRPr sz="1800" kern="1200">
                 <a:solidFill>
-                  <a:schemeClr val="dk1"/>
+                  <a:schemeClr val="tx1"/>
                 </a:solidFill>
                 <a:latin typeface="+mn-lt"/>
                 <a:ea typeface="+mn-ea"/>
@@ -5002,7 +4838,7 @@
               <a:buChar char="•"/>
               <a:defRPr sz="1800" kern="1200">
                 <a:solidFill>
-                  <a:schemeClr val="dk1"/>
+                  <a:schemeClr val="tx1"/>
                 </a:solidFill>
                 <a:latin typeface="+mn-lt"/>
                 <a:ea typeface="+mn-ea"/>
@@ -5020,7 +4856,7 @@
               <a:buChar char="•"/>
               <a:defRPr sz="1800" kern="1200">
                 <a:solidFill>
-                  <a:schemeClr val="dk1"/>
+                  <a:schemeClr val="tx1"/>
                 </a:solidFill>
                 <a:latin typeface="+mn-lt"/>
                 <a:ea typeface="+mn-ea"/>
@@ -5038,7 +4874,7 @@
               <a:buChar char="•"/>
               <a:defRPr sz="1800" kern="1200">
                 <a:solidFill>
-                  <a:schemeClr val="dk1"/>
+                  <a:schemeClr val="tx1"/>
                 </a:solidFill>
                 <a:latin typeface="+mn-lt"/>
                 <a:ea typeface="+mn-ea"/>
@@ -5056,7 +4892,7 @@
               <a:buChar char="•"/>
               <a:defRPr sz="1800" kern="1200">
                 <a:solidFill>
-                  <a:schemeClr val="dk1"/>
+                  <a:schemeClr val="tx1"/>
                 </a:solidFill>
                 <a:latin typeface="+mn-lt"/>
                 <a:ea typeface="+mn-ea"/>
@@ -5074,7 +4910,7 @@
               <a:buChar char="•"/>
               <a:defRPr sz="1800" kern="1200">
                 <a:solidFill>
-                  <a:schemeClr val="dk1"/>
+                  <a:schemeClr val="tx1"/>
                 </a:solidFill>
                 <a:latin typeface="+mn-lt"/>
                 <a:ea typeface="+mn-ea"/>
@@ -5088,31 +4924,128 @@
               <a:buNone/>
             </a:pPr>
             <a:r>
-              <a:rPr lang="en-NZ"/>
-              <a:t>1</a:t>
-            </a:r>
-            <a:endParaRPr lang="en-NZ" dirty="0"/>
-          </a:p>
-        </p:txBody>
-      </p:sp>
-      <p:sp>
-        <p:nvSpPr>
-          <p:cNvPr id="10" name="Content Placeholder 5">
-            <a:extLst>
-              <a:ext uri="{FF2B5EF4-FFF2-40B4-BE49-F238E27FC236}">
-                <a16:creationId xmlns:a16="http://schemas.microsoft.com/office/drawing/2014/main" id="{4B760046-4977-8A4A-424E-8005D84500FD}"/>
-              </a:ext>
-            </a:extLst>
-          </p:cNvPr>
-          <p:cNvSpPr txBox="1">
-            <a:spLocks/>
-          </p:cNvSpPr>
+              <a:rPr lang="en-NZ" sz="1600" b="1" u="sng" dirty="0"/>
+              <a:t>Definition</a:t>
+            </a:r>
+          </a:p>
+          <a:p>
+            <a:pPr marL="0" indent="0">
+              <a:buFont typeface="Arial" panose="020B0604020202020204" pitchFamily="34" charset="0"/>
+              <a:buNone/>
+            </a:pPr>
+            <a:r>
+              <a:rPr lang="en-NZ" sz="1600" dirty="0"/>
+              <a:t>Privacy is a growing worry in the modern world. Part of this worry is our data being used for the training and creation of Artificial Intelligence without our prior consent. </a:t>
+            </a:r>
+            <a:r>
+              <a:rPr lang="en-GB" sz="1600" dirty="0"/>
+              <a:t>With the growth of the field of machine learning and its effect on the modern computing field, it is important to consider its ethical implications stemming from its use of training datasets and the affect it has on information privacy and our right to confidentiality. (</a:t>
+            </a:r>
+            <a:r>
+              <a:rPr lang="en-NZ" sz="1700" dirty="0" err="1"/>
+              <a:t>Ruehle</a:t>
+            </a:r>
+            <a:r>
+              <a:rPr lang="en-NZ" sz="1700" dirty="0"/>
+              <a:t> et al., 2021</a:t>
+            </a:r>
+            <a:r>
+              <a:rPr lang="en-GB" sz="1600" dirty="0"/>
+              <a:t>)</a:t>
+            </a:r>
+          </a:p>
+          <a:p>
+            <a:pPr marL="0" indent="0">
+              <a:buFont typeface="Arial" panose="020B0604020202020204" pitchFamily="34" charset="0"/>
+              <a:buNone/>
+            </a:pPr>
+            <a:r>
+              <a:rPr lang="en-NZ" sz="1600" b="1" u="sng" dirty="0"/>
+              <a:t>Importance</a:t>
+            </a:r>
+          </a:p>
+          <a:p>
+            <a:pPr marL="0" indent="0">
+              <a:buFont typeface="Arial" panose="020B0604020202020204" pitchFamily="34" charset="0"/>
+              <a:buNone/>
+            </a:pPr>
+            <a:r>
+              <a:rPr lang="en-NZ" sz="1600" dirty="0"/>
+              <a:t>This is an important topic as Machine Learning becomes increasingly more complicated and demanding of our data. The choice of our topic comes from the little knowledge the average person has on how their data is being used. </a:t>
+            </a:r>
+          </a:p>
+          <a:p>
+            <a:pPr marL="0" indent="0">
+              <a:buFont typeface="Arial" panose="020B0604020202020204" pitchFamily="34" charset="0"/>
+              <a:buNone/>
+            </a:pPr>
+            <a:r>
+              <a:rPr lang="en-NZ" sz="1600" dirty="0"/>
+              <a:t>There is also an importance in ensuring the data used to train medical and other AI is from an unbiased selection of people so that the AI doesn’t inherit the bias of the dataset. e.g. if a dataset was trained in majority elderly people the produced model may have a bias when recognising the same symptoms in younger patients. Because different groups have different ideas and understanding on data privacy; resulting models may use skewed data and in turn produce a skewed result.</a:t>
+            </a:r>
+            <a:endParaRPr lang="en-GB" sz="1600" dirty="0"/>
+          </a:p>
+          <a:p>
+            <a:pPr marL="0" indent="0">
+              <a:buFont typeface="Arial" panose="020B0604020202020204" pitchFamily="34" charset="0"/>
+              <a:buNone/>
+            </a:pPr>
+            <a:r>
+              <a:rPr lang="en-NZ" sz="1600" b="1" u="sng" dirty="0"/>
+              <a:t>Justification</a:t>
+            </a:r>
+          </a:p>
+          <a:p>
+            <a:pPr marL="0" indent="0">
+              <a:buFont typeface="Arial" panose="020B0604020202020204" pitchFamily="34" charset="0"/>
+              <a:buNone/>
+            </a:pPr>
+            <a:r>
+              <a:rPr lang="en-NZ" sz="1600" dirty="0"/>
+              <a:t>One example is in the medical field of Machine Learning. Machine learning itself requires a training dataset containing a large amount of data. In the medical field, this training dataset contains patient data.</a:t>
+            </a:r>
+            <a:r>
+              <a:rPr lang="en-GB" sz="1600" dirty="0"/>
+              <a:t> (</a:t>
+            </a:r>
+            <a:r>
+              <a:rPr lang="en-GB" sz="1600" dirty="0" err="1"/>
+              <a:t>Basu</a:t>
+            </a:r>
+            <a:r>
+              <a:rPr lang="en-GB" sz="1600" dirty="0"/>
+              <a:t> et al., 2020)</a:t>
+            </a:r>
+            <a:endParaRPr lang="en-NZ" sz="1600" dirty="0"/>
+          </a:p>
+          <a:p>
+            <a:pPr marL="0" indent="0">
+              <a:buFont typeface="Arial" panose="020B0604020202020204" pitchFamily="34" charset="0"/>
+              <a:buNone/>
+            </a:pPr>
+            <a:r>
+              <a:rPr lang="en-GB" sz="1600" dirty="0"/>
+              <a:t>Informational privacy has been an concept that has been debated and dealt within traditional information and computational systems. There is an increasing need for a discussion of what this means for the future as machine learning demands more of our private data. Especially in the medical field, where this information is particularly sensitive.</a:t>
+            </a:r>
+          </a:p>
+        </p:txBody>
+      </p:sp>
+      <p:sp>
+        <p:nvSpPr>
+          <p:cNvPr id="3" name="TextBox 2">
+            <a:extLst>
+              <a:ext uri="{FF2B5EF4-FFF2-40B4-BE49-F238E27FC236}">
+                <a16:creationId xmlns:a16="http://schemas.microsoft.com/office/drawing/2014/main" id="{213D54F7-17E7-5A95-36A0-FAD0905C73B1}"/>
+              </a:ext>
+            </a:extLst>
+          </p:cNvPr>
+          <p:cNvSpPr txBox="1"/>
           <p:nvPr/>
         </p:nvSpPr>
         <p:spPr>
           <a:xfrm>
-            <a:off x="8219447" y="1191127"/>
-            <a:ext cx="3852000" cy="5468351"/>
+            <a:off x="7917873" y="102841"/>
+            <a:ext cx="4166346" cy="584775"/>
           </a:xfrm>
           <a:prstGeom prst="rect">
             <a:avLst/>
@@ -5133,588 +5066,29 @@
           </a:fontRef>
         </p:style>
         <p:txBody>
-          <a:bodyPr vert="horz" lIns="91440" tIns="45720" rIns="91440" bIns="45720" rtlCol="0">
-            <a:normAutofit/>
+          <a:bodyPr wrap="square" rtlCol="0">
+            <a:spAutoFit/>
           </a:bodyPr>
-          <a:lstStyle>
-            <a:lvl1pPr marL="228600" indent="-228600" algn="l" defTabSz="914400" rtl="0" eaLnBrk="1" latinLnBrk="0" hangingPunct="1">
-              <a:lnSpc>
-                <a:spcPct val="90000"/>
-              </a:lnSpc>
-              <a:spcBef>
-                <a:spcPts val="1000"/>
-              </a:spcBef>
-              <a:buFont typeface="Arial" panose="020B0604020202020204" pitchFamily="34" charset="0"/>
-              <a:buChar char="•"/>
-              <a:defRPr sz="2800" kern="1200">
-                <a:solidFill>
-                  <a:schemeClr val="dk1"/>
-                </a:solidFill>
-                <a:latin typeface="+mn-lt"/>
-                <a:ea typeface="+mn-ea"/>
-                <a:cs typeface="+mn-cs"/>
-              </a:defRPr>
-            </a:lvl1pPr>
-            <a:lvl2pPr marL="685800" indent="-228600" algn="l" defTabSz="914400" rtl="0" eaLnBrk="1" latinLnBrk="0" hangingPunct="1">
-              <a:lnSpc>
-                <a:spcPct val="90000"/>
-              </a:lnSpc>
-              <a:spcBef>
-                <a:spcPts val="500"/>
-              </a:spcBef>
-              <a:buFont typeface="Arial" panose="020B0604020202020204" pitchFamily="34" charset="0"/>
-              <a:buChar char="•"/>
-              <a:defRPr sz="2400" kern="1200">
-                <a:solidFill>
-                  <a:schemeClr val="dk1"/>
-                </a:solidFill>
-                <a:latin typeface="+mn-lt"/>
-                <a:ea typeface="+mn-ea"/>
-                <a:cs typeface="+mn-cs"/>
-              </a:defRPr>
-            </a:lvl2pPr>
-            <a:lvl3pPr marL="1143000" indent="-228600" algn="l" defTabSz="914400" rtl="0" eaLnBrk="1" latinLnBrk="0" hangingPunct="1">
-              <a:lnSpc>
-                <a:spcPct val="90000"/>
-              </a:lnSpc>
-              <a:spcBef>
-                <a:spcPts val="500"/>
-              </a:spcBef>
-              <a:buFont typeface="Arial" panose="020B0604020202020204" pitchFamily="34" charset="0"/>
-              <a:buChar char="•"/>
-              <a:defRPr sz="2000" kern="1200">
-                <a:solidFill>
-                  <a:schemeClr val="dk1"/>
-                </a:solidFill>
-                <a:latin typeface="+mn-lt"/>
-                <a:ea typeface="+mn-ea"/>
-                <a:cs typeface="+mn-cs"/>
-              </a:defRPr>
-            </a:lvl3pPr>
-            <a:lvl4pPr marL="1600200" indent="-228600" algn="l" defTabSz="914400" rtl="0" eaLnBrk="1" latinLnBrk="0" hangingPunct="1">
-              <a:lnSpc>
-                <a:spcPct val="90000"/>
-              </a:lnSpc>
-              <a:spcBef>
-                <a:spcPts val="500"/>
-              </a:spcBef>
-              <a:buFont typeface="Arial" panose="020B0604020202020204" pitchFamily="34" charset="0"/>
-              <a:buChar char="•"/>
-              <a:defRPr sz="1800" kern="1200">
-                <a:solidFill>
-                  <a:schemeClr val="dk1"/>
-                </a:solidFill>
-                <a:latin typeface="+mn-lt"/>
-                <a:ea typeface="+mn-ea"/>
-                <a:cs typeface="+mn-cs"/>
-              </a:defRPr>
-            </a:lvl4pPr>
-            <a:lvl5pPr marL="2057400" indent="-228600" algn="l" defTabSz="914400" rtl="0" eaLnBrk="1" latinLnBrk="0" hangingPunct="1">
-              <a:lnSpc>
-                <a:spcPct val="90000"/>
-              </a:lnSpc>
-              <a:spcBef>
-                <a:spcPts val="500"/>
-              </a:spcBef>
-              <a:buFont typeface="Arial" panose="020B0604020202020204" pitchFamily="34" charset="0"/>
-              <a:buChar char="•"/>
-              <a:defRPr sz="1800" kern="1200">
-                <a:solidFill>
-                  <a:schemeClr val="dk1"/>
-                </a:solidFill>
-                <a:latin typeface="+mn-lt"/>
-                <a:ea typeface="+mn-ea"/>
-                <a:cs typeface="+mn-cs"/>
-              </a:defRPr>
-            </a:lvl5pPr>
-            <a:lvl6pPr marL="2514600" indent="-228600" algn="l" defTabSz="914400" rtl="0" eaLnBrk="1" latinLnBrk="0" hangingPunct="1">
-              <a:lnSpc>
-                <a:spcPct val="90000"/>
-              </a:lnSpc>
-              <a:spcBef>
-                <a:spcPts val="500"/>
-              </a:spcBef>
-              <a:buFont typeface="Arial" panose="020B0604020202020204" pitchFamily="34" charset="0"/>
-              <a:buChar char="•"/>
-              <a:defRPr sz="1800" kern="1200">
-                <a:solidFill>
-                  <a:schemeClr val="dk1"/>
-                </a:solidFill>
-                <a:latin typeface="+mn-lt"/>
-                <a:ea typeface="+mn-ea"/>
-                <a:cs typeface="+mn-cs"/>
-              </a:defRPr>
-            </a:lvl6pPr>
-            <a:lvl7pPr marL="2971800" indent="-228600" algn="l" defTabSz="914400" rtl="0" eaLnBrk="1" latinLnBrk="0" hangingPunct="1">
-              <a:lnSpc>
-                <a:spcPct val="90000"/>
-              </a:lnSpc>
-              <a:spcBef>
-                <a:spcPts val="500"/>
-              </a:spcBef>
-              <a:buFont typeface="Arial" panose="020B0604020202020204" pitchFamily="34" charset="0"/>
-              <a:buChar char="•"/>
-              <a:defRPr sz="1800" kern="1200">
-                <a:solidFill>
-                  <a:schemeClr val="dk1"/>
-                </a:solidFill>
-                <a:latin typeface="+mn-lt"/>
-                <a:ea typeface="+mn-ea"/>
-                <a:cs typeface="+mn-cs"/>
-              </a:defRPr>
-            </a:lvl7pPr>
-            <a:lvl8pPr marL="3429000" indent="-228600" algn="l" defTabSz="914400" rtl="0" eaLnBrk="1" latinLnBrk="0" hangingPunct="1">
-              <a:lnSpc>
-                <a:spcPct val="90000"/>
-              </a:lnSpc>
-              <a:spcBef>
-                <a:spcPts val="500"/>
-              </a:spcBef>
-              <a:buFont typeface="Arial" panose="020B0604020202020204" pitchFamily="34" charset="0"/>
-              <a:buChar char="•"/>
-              <a:defRPr sz="1800" kern="1200">
-                <a:solidFill>
-                  <a:schemeClr val="dk1"/>
-                </a:solidFill>
-                <a:latin typeface="+mn-lt"/>
-                <a:ea typeface="+mn-ea"/>
-                <a:cs typeface="+mn-cs"/>
-              </a:defRPr>
-            </a:lvl8pPr>
-            <a:lvl9pPr marL="3886200" indent="-228600" algn="l" defTabSz="914400" rtl="0" eaLnBrk="1" latinLnBrk="0" hangingPunct="1">
-              <a:lnSpc>
-                <a:spcPct val="90000"/>
-              </a:lnSpc>
-              <a:spcBef>
-                <a:spcPts val="500"/>
-              </a:spcBef>
-              <a:buFont typeface="Arial" panose="020B0604020202020204" pitchFamily="34" charset="0"/>
-              <a:buChar char="•"/>
-              <a:defRPr sz="1800" kern="1200">
-                <a:solidFill>
-                  <a:schemeClr val="dk1"/>
-                </a:solidFill>
-                <a:latin typeface="+mn-lt"/>
-                <a:ea typeface="+mn-ea"/>
-                <a:cs typeface="+mn-cs"/>
-              </a:defRPr>
-            </a:lvl9pPr>
-          </a:lstStyle>
-          <a:p>
-            <a:pPr marL="0" indent="0">
-              <a:buFont typeface="Arial" panose="020B0604020202020204" pitchFamily="34" charset="0"/>
-              <a:buNone/>
-            </a:pPr>
-            <a:r>
-              <a:rPr lang="en-NZ"/>
-              <a:t>1</a:t>
-            </a:r>
-            <a:endParaRPr lang="en-NZ" dirty="0"/>
-          </a:p>
-        </p:txBody>
-      </p:sp>
-      <p:sp>
-        <p:nvSpPr>
-          <p:cNvPr id="12" name="Text Placeholder 2">
-            <a:extLst>
-              <a:ext uri="{FF2B5EF4-FFF2-40B4-BE49-F238E27FC236}">
-                <a16:creationId xmlns:a16="http://schemas.microsoft.com/office/drawing/2014/main" id="{904A8DC6-540F-31B6-C75A-4E4164036EF1}"/>
-              </a:ext>
-            </a:extLst>
-          </p:cNvPr>
-          <p:cNvSpPr txBox="1">
-            <a:spLocks/>
-          </p:cNvSpPr>
-          <p:nvPr/>
-        </p:nvSpPr>
-        <p:spPr>
-          <a:xfrm>
-            <a:off x="4191236" y="294770"/>
-            <a:ext cx="3672000" cy="757991"/>
-          </a:xfrm>
-          <a:prstGeom prst="rect">
-            <a:avLst/>
-          </a:prstGeom>
-        </p:spPr>
-        <p:txBody>
-          <a:bodyPr vert="horz" lIns="91440" tIns="45720" rIns="91440" bIns="45720" rtlCol="0" anchor="b">
-            <a:normAutofit/>
-          </a:bodyPr>
-          <a:lstStyle>
-            <a:lvl1pPr marL="0" indent="0" algn="l" defTabSz="914400" rtl="0" eaLnBrk="1" latinLnBrk="0" hangingPunct="1">
-              <a:lnSpc>
-                <a:spcPct val="90000"/>
-              </a:lnSpc>
-              <a:spcBef>
-                <a:spcPts val="1000"/>
-              </a:spcBef>
-              <a:buFont typeface="Arial" panose="020B0604020202020204" pitchFamily="34" charset="0"/>
-              <a:buNone/>
-              <a:defRPr sz="2400" b="1" kern="1200">
-                <a:solidFill>
-                  <a:schemeClr val="tx1"/>
-                </a:solidFill>
-                <a:latin typeface="+mn-lt"/>
-                <a:ea typeface="+mn-ea"/>
-                <a:cs typeface="+mn-cs"/>
-              </a:defRPr>
-            </a:lvl1pPr>
-            <a:lvl2pPr marL="457200" indent="0" algn="l" defTabSz="914400" rtl="0" eaLnBrk="1" latinLnBrk="0" hangingPunct="1">
-              <a:lnSpc>
-                <a:spcPct val="90000"/>
-              </a:lnSpc>
-              <a:spcBef>
-                <a:spcPts val="500"/>
-              </a:spcBef>
-              <a:buFont typeface="Arial" panose="020B0604020202020204" pitchFamily="34" charset="0"/>
-              <a:buNone/>
-              <a:defRPr sz="2000" b="1" kern="1200">
-                <a:solidFill>
-                  <a:schemeClr val="tx1"/>
-                </a:solidFill>
-                <a:latin typeface="+mn-lt"/>
-                <a:ea typeface="+mn-ea"/>
-                <a:cs typeface="+mn-cs"/>
-              </a:defRPr>
-            </a:lvl2pPr>
-            <a:lvl3pPr marL="914400" indent="0" algn="l" defTabSz="914400" rtl="0" eaLnBrk="1" latinLnBrk="0" hangingPunct="1">
-              <a:lnSpc>
-                <a:spcPct val="90000"/>
-              </a:lnSpc>
-              <a:spcBef>
-                <a:spcPts val="500"/>
-              </a:spcBef>
-              <a:buFont typeface="Arial" panose="020B0604020202020204" pitchFamily="34" charset="0"/>
-              <a:buNone/>
-              <a:defRPr sz="1800" b="1" kern="1200">
-                <a:solidFill>
-                  <a:schemeClr val="tx1"/>
-                </a:solidFill>
-                <a:latin typeface="+mn-lt"/>
-                <a:ea typeface="+mn-ea"/>
-                <a:cs typeface="+mn-cs"/>
-              </a:defRPr>
-            </a:lvl3pPr>
-            <a:lvl4pPr marL="1371600" indent="0" algn="l" defTabSz="914400" rtl="0" eaLnBrk="1" latinLnBrk="0" hangingPunct="1">
-              <a:lnSpc>
-                <a:spcPct val="90000"/>
-              </a:lnSpc>
-              <a:spcBef>
-                <a:spcPts val="500"/>
-              </a:spcBef>
-              <a:buFont typeface="Arial" panose="020B0604020202020204" pitchFamily="34" charset="0"/>
-              <a:buNone/>
-              <a:defRPr sz="1600" b="1" kern="1200">
-                <a:solidFill>
-                  <a:schemeClr val="tx1"/>
-                </a:solidFill>
-                <a:latin typeface="+mn-lt"/>
-                <a:ea typeface="+mn-ea"/>
-                <a:cs typeface="+mn-cs"/>
-              </a:defRPr>
-            </a:lvl4pPr>
-            <a:lvl5pPr marL="1828800" indent="0" algn="l" defTabSz="914400" rtl="0" eaLnBrk="1" latinLnBrk="0" hangingPunct="1">
-              <a:lnSpc>
-                <a:spcPct val="90000"/>
-              </a:lnSpc>
-              <a:spcBef>
-                <a:spcPts val="500"/>
-              </a:spcBef>
-              <a:buFont typeface="Arial" panose="020B0604020202020204" pitchFamily="34" charset="0"/>
-              <a:buNone/>
-              <a:defRPr sz="1600" b="1" kern="1200">
-                <a:solidFill>
-                  <a:schemeClr val="tx1"/>
-                </a:solidFill>
-                <a:latin typeface="+mn-lt"/>
-                <a:ea typeface="+mn-ea"/>
-                <a:cs typeface="+mn-cs"/>
-              </a:defRPr>
-            </a:lvl5pPr>
-            <a:lvl6pPr marL="2286000" indent="0" algn="l" defTabSz="914400" rtl="0" eaLnBrk="1" latinLnBrk="0" hangingPunct="1">
-              <a:lnSpc>
-                <a:spcPct val="90000"/>
-              </a:lnSpc>
-              <a:spcBef>
-                <a:spcPts val="500"/>
-              </a:spcBef>
-              <a:buFont typeface="Arial" panose="020B0604020202020204" pitchFamily="34" charset="0"/>
-              <a:buNone/>
-              <a:defRPr sz="1600" b="1" kern="1200">
-                <a:solidFill>
-                  <a:schemeClr val="tx1"/>
-                </a:solidFill>
-                <a:latin typeface="+mn-lt"/>
-                <a:ea typeface="+mn-ea"/>
-                <a:cs typeface="+mn-cs"/>
-              </a:defRPr>
-            </a:lvl6pPr>
-            <a:lvl7pPr marL="2743200" indent="0" algn="l" defTabSz="914400" rtl="0" eaLnBrk="1" latinLnBrk="0" hangingPunct="1">
-              <a:lnSpc>
-                <a:spcPct val="90000"/>
-              </a:lnSpc>
-              <a:spcBef>
-                <a:spcPts val="500"/>
-              </a:spcBef>
-              <a:buFont typeface="Arial" panose="020B0604020202020204" pitchFamily="34" charset="0"/>
-              <a:buNone/>
-              <a:defRPr sz="1600" b="1" kern="1200">
-                <a:solidFill>
-                  <a:schemeClr val="tx1"/>
-                </a:solidFill>
-                <a:latin typeface="+mn-lt"/>
-                <a:ea typeface="+mn-ea"/>
-                <a:cs typeface="+mn-cs"/>
-              </a:defRPr>
-            </a:lvl7pPr>
-            <a:lvl8pPr marL="3200400" indent="0" algn="l" defTabSz="914400" rtl="0" eaLnBrk="1" latinLnBrk="0" hangingPunct="1">
-              <a:lnSpc>
-                <a:spcPct val="90000"/>
-              </a:lnSpc>
-              <a:spcBef>
-                <a:spcPts val="500"/>
-              </a:spcBef>
-              <a:buFont typeface="Arial" panose="020B0604020202020204" pitchFamily="34" charset="0"/>
-              <a:buNone/>
-              <a:defRPr sz="1600" b="1" kern="1200">
-                <a:solidFill>
-                  <a:schemeClr val="tx1"/>
-                </a:solidFill>
-                <a:latin typeface="+mn-lt"/>
-                <a:ea typeface="+mn-ea"/>
-                <a:cs typeface="+mn-cs"/>
-              </a:defRPr>
-            </a:lvl8pPr>
-            <a:lvl9pPr marL="3657600" indent="0" algn="l" defTabSz="914400" rtl="0" eaLnBrk="1" latinLnBrk="0" hangingPunct="1">
-              <a:lnSpc>
-                <a:spcPct val="90000"/>
-              </a:lnSpc>
-              <a:spcBef>
-                <a:spcPts val="500"/>
-              </a:spcBef>
-              <a:buFont typeface="Arial" panose="020B0604020202020204" pitchFamily="34" charset="0"/>
-              <a:buNone/>
-              <a:defRPr sz="1600" b="1" kern="1200">
-                <a:solidFill>
-                  <a:schemeClr val="tx1"/>
-                </a:solidFill>
-                <a:latin typeface="+mn-lt"/>
-                <a:ea typeface="+mn-ea"/>
-                <a:cs typeface="+mn-cs"/>
-              </a:defRPr>
-            </a:lvl9pPr>
-          </a:lstStyle>
-          <a:p>
-            <a:r>
-              <a:rPr lang="en-NZ" sz="3200" dirty="0"/>
-              <a:t>-</a:t>
-            </a:r>
-          </a:p>
-        </p:txBody>
-      </p:sp>
-      <p:sp>
-        <p:nvSpPr>
-          <p:cNvPr id="13" name="Text Placeholder 2">
-            <a:extLst>
-              <a:ext uri="{FF2B5EF4-FFF2-40B4-BE49-F238E27FC236}">
-                <a16:creationId xmlns:a16="http://schemas.microsoft.com/office/drawing/2014/main" id="{62D7608D-2734-6857-A3F8-AE43149AE274}"/>
-              </a:ext>
-            </a:extLst>
-          </p:cNvPr>
-          <p:cNvSpPr txBox="1">
-            <a:spLocks/>
-          </p:cNvSpPr>
-          <p:nvPr/>
-        </p:nvSpPr>
-        <p:spPr>
-          <a:xfrm>
-            <a:off x="8219447" y="294770"/>
-            <a:ext cx="3672000" cy="757991"/>
-          </a:xfrm>
-          <a:prstGeom prst="rect">
-            <a:avLst/>
-          </a:prstGeom>
-        </p:spPr>
-        <p:txBody>
-          <a:bodyPr vert="horz" lIns="91440" tIns="45720" rIns="91440" bIns="45720" rtlCol="0" anchor="b">
-            <a:normAutofit/>
-          </a:bodyPr>
-          <a:lstStyle>
-            <a:lvl1pPr marL="0" indent="0" algn="l" defTabSz="914400" rtl="0" eaLnBrk="1" latinLnBrk="0" hangingPunct="1">
-              <a:lnSpc>
-                <a:spcPct val="90000"/>
-              </a:lnSpc>
-              <a:spcBef>
-                <a:spcPts val="1000"/>
-              </a:spcBef>
-              <a:buFont typeface="Arial" panose="020B0604020202020204" pitchFamily="34" charset="0"/>
-              <a:buNone/>
-              <a:defRPr sz="2400" b="1" kern="1200">
-                <a:solidFill>
-                  <a:schemeClr val="tx1"/>
-                </a:solidFill>
-                <a:latin typeface="+mn-lt"/>
-                <a:ea typeface="+mn-ea"/>
-                <a:cs typeface="+mn-cs"/>
-              </a:defRPr>
-            </a:lvl1pPr>
-            <a:lvl2pPr marL="457200" indent="0" algn="l" defTabSz="914400" rtl="0" eaLnBrk="1" latinLnBrk="0" hangingPunct="1">
-              <a:lnSpc>
-                <a:spcPct val="90000"/>
-              </a:lnSpc>
-              <a:spcBef>
-                <a:spcPts val="500"/>
-              </a:spcBef>
-              <a:buFont typeface="Arial" panose="020B0604020202020204" pitchFamily="34" charset="0"/>
-              <a:buNone/>
-              <a:defRPr sz="2000" b="1" kern="1200">
-                <a:solidFill>
-                  <a:schemeClr val="tx1"/>
-                </a:solidFill>
-                <a:latin typeface="+mn-lt"/>
-                <a:ea typeface="+mn-ea"/>
-                <a:cs typeface="+mn-cs"/>
-              </a:defRPr>
-            </a:lvl2pPr>
-            <a:lvl3pPr marL="914400" indent="0" algn="l" defTabSz="914400" rtl="0" eaLnBrk="1" latinLnBrk="0" hangingPunct="1">
-              <a:lnSpc>
-                <a:spcPct val="90000"/>
-              </a:lnSpc>
-              <a:spcBef>
-                <a:spcPts val="500"/>
-              </a:spcBef>
-              <a:buFont typeface="Arial" panose="020B0604020202020204" pitchFamily="34" charset="0"/>
-              <a:buNone/>
-              <a:defRPr sz="1800" b="1" kern="1200">
-                <a:solidFill>
-                  <a:schemeClr val="tx1"/>
-                </a:solidFill>
-                <a:latin typeface="+mn-lt"/>
-                <a:ea typeface="+mn-ea"/>
-                <a:cs typeface="+mn-cs"/>
-              </a:defRPr>
-            </a:lvl3pPr>
-            <a:lvl4pPr marL="1371600" indent="0" algn="l" defTabSz="914400" rtl="0" eaLnBrk="1" latinLnBrk="0" hangingPunct="1">
-              <a:lnSpc>
-                <a:spcPct val="90000"/>
-              </a:lnSpc>
-              <a:spcBef>
-                <a:spcPts val="500"/>
-              </a:spcBef>
-              <a:buFont typeface="Arial" panose="020B0604020202020204" pitchFamily="34" charset="0"/>
-              <a:buNone/>
-              <a:defRPr sz="1600" b="1" kern="1200">
-                <a:solidFill>
-                  <a:schemeClr val="tx1"/>
-                </a:solidFill>
-                <a:latin typeface="+mn-lt"/>
-                <a:ea typeface="+mn-ea"/>
-                <a:cs typeface="+mn-cs"/>
-              </a:defRPr>
-            </a:lvl4pPr>
-            <a:lvl5pPr marL="1828800" indent="0" algn="l" defTabSz="914400" rtl="0" eaLnBrk="1" latinLnBrk="0" hangingPunct="1">
-              <a:lnSpc>
-                <a:spcPct val="90000"/>
-              </a:lnSpc>
-              <a:spcBef>
-                <a:spcPts val="500"/>
-              </a:spcBef>
-              <a:buFont typeface="Arial" panose="020B0604020202020204" pitchFamily="34" charset="0"/>
-              <a:buNone/>
-              <a:defRPr sz="1600" b="1" kern="1200">
-                <a:solidFill>
-                  <a:schemeClr val="tx1"/>
-                </a:solidFill>
-                <a:latin typeface="+mn-lt"/>
-                <a:ea typeface="+mn-ea"/>
-                <a:cs typeface="+mn-cs"/>
-              </a:defRPr>
-            </a:lvl5pPr>
-            <a:lvl6pPr marL="2286000" indent="0" algn="l" defTabSz="914400" rtl="0" eaLnBrk="1" latinLnBrk="0" hangingPunct="1">
-              <a:lnSpc>
-                <a:spcPct val="90000"/>
-              </a:lnSpc>
-              <a:spcBef>
-                <a:spcPts val="500"/>
-              </a:spcBef>
-              <a:buFont typeface="Arial" panose="020B0604020202020204" pitchFamily="34" charset="0"/>
-              <a:buNone/>
-              <a:defRPr sz="1600" b="1" kern="1200">
-                <a:solidFill>
-                  <a:schemeClr val="tx1"/>
-                </a:solidFill>
-                <a:latin typeface="+mn-lt"/>
-                <a:ea typeface="+mn-ea"/>
-                <a:cs typeface="+mn-cs"/>
-              </a:defRPr>
-            </a:lvl6pPr>
-            <a:lvl7pPr marL="2743200" indent="0" algn="l" defTabSz="914400" rtl="0" eaLnBrk="1" latinLnBrk="0" hangingPunct="1">
-              <a:lnSpc>
-                <a:spcPct val="90000"/>
-              </a:lnSpc>
-              <a:spcBef>
-                <a:spcPts val="500"/>
-              </a:spcBef>
-              <a:buFont typeface="Arial" panose="020B0604020202020204" pitchFamily="34" charset="0"/>
-              <a:buNone/>
-              <a:defRPr sz="1600" b="1" kern="1200">
-                <a:solidFill>
-                  <a:schemeClr val="tx1"/>
-                </a:solidFill>
-                <a:latin typeface="+mn-lt"/>
-                <a:ea typeface="+mn-ea"/>
-                <a:cs typeface="+mn-cs"/>
-              </a:defRPr>
-            </a:lvl7pPr>
-            <a:lvl8pPr marL="3200400" indent="0" algn="l" defTabSz="914400" rtl="0" eaLnBrk="1" latinLnBrk="0" hangingPunct="1">
-              <a:lnSpc>
-                <a:spcPct val="90000"/>
-              </a:lnSpc>
-              <a:spcBef>
-                <a:spcPts val="500"/>
-              </a:spcBef>
-              <a:buFont typeface="Arial" panose="020B0604020202020204" pitchFamily="34" charset="0"/>
-              <a:buNone/>
-              <a:defRPr sz="1600" b="1" kern="1200">
-                <a:solidFill>
-                  <a:schemeClr val="tx1"/>
-                </a:solidFill>
-                <a:latin typeface="+mn-lt"/>
-                <a:ea typeface="+mn-ea"/>
-                <a:cs typeface="+mn-cs"/>
-              </a:defRPr>
-            </a:lvl8pPr>
-            <a:lvl9pPr marL="3657600" indent="0" algn="l" defTabSz="914400" rtl="0" eaLnBrk="1" latinLnBrk="0" hangingPunct="1">
-              <a:lnSpc>
-                <a:spcPct val="90000"/>
-              </a:lnSpc>
-              <a:spcBef>
-                <a:spcPts val="500"/>
-              </a:spcBef>
-              <a:buFont typeface="Arial" panose="020B0604020202020204" pitchFamily="34" charset="0"/>
-              <a:buNone/>
-              <a:defRPr sz="1600" b="1" kern="1200">
-                <a:solidFill>
-                  <a:schemeClr val="tx1"/>
-                </a:solidFill>
-                <a:latin typeface="+mn-lt"/>
-                <a:ea typeface="+mn-ea"/>
-                <a:cs typeface="+mn-cs"/>
-              </a:defRPr>
-            </a:lvl9pPr>
-          </a:lstStyle>
-          <a:p>
-            <a:r>
-              <a:rPr lang="en-NZ" sz="3200" dirty="0"/>
-              <a:t>-</a:t>
-            </a:r>
+          <a:lstStyle/>
+          <a:p>
+            <a:r>
+              <a:rPr lang="en-NZ" sz="1600" b="1" u="sng" dirty="0"/>
+              <a:t>Opportunities</a:t>
+            </a:r>
+          </a:p>
+          <a:p>
+            <a:r>
+              <a:rPr lang="en-NZ" sz="1600" dirty="0"/>
+              <a:t>Example</a:t>
+            </a:r>
+            <a:endParaRPr lang="en-NZ" sz="1600" b="1" u="sng" dirty="0"/>
           </a:p>
         </p:txBody>
       </p:sp>
     </p:spTree>
     <p:extLst>
       <p:ext uri="{BB962C8B-B14F-4D97-AF65-F5344CB8AC3E}">
-        <p14:creationId xmlns:p14="http://schemas.microsoft.com/office/powerpoint/2010/main" val="4226437194"/>
+        <p14:creationId xmlns:p14="http://schemas.microsoft.com/office/powerpoint/2010/main" val="760917647"/>
       </p:ext>
     </p:extLst>
   </p:cSld>
@@ -5743,60 +5117,24 @@
       </p:grpSpPr>
       <p:sp>
         <p:nvSpPr>
-          <p:cNvPr id="3" name="Text Placeholder 2">
-            <a:extLst>
-              <a:ext uri="{FF2B5EF4-FFF2-40B4-BE49-F238E27FC236}">
-                <a16:creationId xmlns:a16="http://schemas.microsoft.com/office/drawing/2014/main" id="{7484C2A0-BB92-53F8-7871-C274582E5478}"/>
-              </a:ext>
-            </a:extLst>
-          </p:cNvPr>
-          <p:cNvSpPr>
-            <a:spLocks noGrp="1"/>
-          </p:cNvSpPr>
-          <p:nvPr>
-            <p:ph type="body" idx="1"/>
-          </p:nvPr>
+          <p:cNvPr id="12" name="TextBox 11">
+            <a:extLst>
+              <a:ext uri="{FF2B5EF4-FFF2-40B4-BE49-F238E27FC236}">
+                <a16:creationId xmlns:a16="http://schemas.microsoft.com/office/drawing/2014/main" id="{AD3BA1AE-C9E7-DDB0-402E-2AA23B3D59E2}"/>
+              </a:ext>
+            </a:extLst>
+          </p:cNvPr>
+          <p:cNvSpPr txBox="1"/>
+          <p:nvPr/>
         </p:nvSpPr>
         <p:spPr>
           <a:xfrm>
-            <a:off x="336884" y="391025"/>
-            <a:ext cx="5287879" cy="757991"/>
+            <a:off x="200891" y="172114"/>
+            <a:ext cx="5763490" cy="584775"/>
           </a:xfrm>
-        </p:spPr>
-        <p:txBody>
-          <a:bodyPr>
-            <a:normAutofit/>
-          </a:bodyPr>
-          <a:lstStyle/>
-          <a:p>
-            <a:r>
-              <a:rPr lang="en-NZ" sz="3200" dirty="0"/>
-              <a:t>Risks</a:t>
-            </a:r>
-          </a:p>
-        </p:txBody>
-      </p:sp>
-      <p:sp>
-        <p:nvSpPr>
-          <p:cNvPr id="4" name="Content Placeholder 3">
-            <a:extLst>
-              <a:ext uri="{FF2B5EF4-FFF2-40B4-BE49-F238E27FC236}">
-                <a16:creationId xmlns:a16="http://schemas.microsoft.com/office/drawing/2014/main" id="{318186AD-69F0-9205-3FE6-36B135ECB2E4}"/>
-              </a:ext>
-            </a:extLst>
-          </p:cNvPr>
-          <p:cNvSpPr>
-            <a:spLocks noGrp="1"/>
-          </p:cNvSpPr>
-          <p:nvPr>
-            <p:ph sz="half" idx="2"/>
-          </p:nvPr>
-        </p:nvSpPr>
-        <p:spPr>
-          <a:xfrm>
-            <a:off x="336884" y="1269332"/>
-            <a:ext cx="5516479" cy="5311941"/>
-          </a:xfrm>
+          <a:prstGeom prst="rect">
+            <a:avLst/>
+          </a:prstGeom>
         </p:spPr>
         <p:style>
           <a:lnRef idx="2">
@@ -5813,102 +5151,45 @@
           </a:fontRef>
         </p:style>
         <p:txBody>
-          <a:bodyPr>
-            <a:normAutofit fontScale="92500" lnSpcReduction="10000"/>
+          <a:bodyPr wrap="square" rtlCol="0">
+            <a:spAutoFit/>
           </a:bodyPr>
           <a:lstStyle/>
           <a:p>
-            <a:pPr marL="0" indent="0">
-              <a:buNone/>
-            </a:pPr>
-            <a:r>
-              <a:rPr lang="en-NZ" dirty="0"/>
-              <a:t>Bias</a:t>
-            </a:r>
-          </a:p>
-          <a:p>
-            <a:r>
-              <a:rPr lang="en-NZ" sz="2800" dirty="0"/>
-              <a:t>There is an importance in ensuring the data used to train medical and other AI is from an unbiased selection of people so that the AI doesn’t inherit the bias of the dataset. e.g. if a dataset was trained in majority elderly people the produced model may have a bias when recognising the same symptoms in younger patients. Because different groups have different ideas and understanding on data privacy; resulting models may use skewed data and in turn produce a skewed result.</a:t>
-            </a:r>
-            <a:endParaRPr lang="en-NZ" dirty="0"/>
-          </a:p>
-          <a:p>
-            <a:pPr marL="0" indent="0">
-              <a:buNone/>
-            </a:pPr>
-            <a:endParaRPr lang="en-NZ" dirty="0"/>
-          </a:p>
-          <a:p>
-            <a:endParaRPr lang="en-NZ" dirty="0"/>
-          </a:p>
-          <a:p>
-            <a:endParaRPr lang="en-NZ" dirty="0"/>
-          </a:p>
-          <a:p>
-            <a:pPr marL="0" indent="0">
-              <a:buNone/>
-            </a:pPr>
-            <a:endParaRPr lang="en-NZ" dirty="0"/>
-          </a:p>
-        </p:txBody>
-      </p:sp>
-      <p:sp>
-        <p:nvSpPr>
-          <p:cNvPr id="5" name="Text Placeholder 4">
-            <a:extLst>
-              <a:ext uri="{FF2B5EF4-FFF2-40B4-BE49-F238E27FC236}">
-                <a16:creationId xmlns:a16="http://schemas.microsoft.com/office/drawing/2014/main" id="{B6FB36DC-7554-8A7E-7C01-D8763B293B3D}"/>
-              </a:ext>
-            </a:extLst>
-          </p:cNvPr>
-          <p:cNvSpPr>
-            <a:spLocks noGrp="1"/>
-          </p:cNvSpPr>
-          <p:nvPr>
-            <p:ph type="body" sz="quarter" idx="3"/>
-          </p:nvPr>
+            <a:r>
+              <a:rPr lang="en-NZ" sz="1600" b="1" u="sng" dirty="0"/>
+              <a:t>Risks</a:t>
+            </a:r>
+          </a:p>
+          <a:p>
+            <a:r>
+              <a:rPr lang="en-NZ" sz="1600" dirty="0"/>
+              <a:t>Example</a:t>
+            </a:r>
+            <a:endParaRPr lang="en-NZ" sz="1600" b="1" u="sng" dirty="0"/>
+          </a:p>
+        </p:txBody>
+      </p:sp>
+      <p:sp>
+        <p:nvSpPr>
+          <p:cNvPr id="13" name="TextBox 12">
+            <a:extLst>
+              <a:ext uri="{FF2B5EF4-FFF2-40B4-BE49-F238E27FC236}">
+                <a16:creationId xmlns:a16="http://schemas.microsoft.com/office/drawing/2014/main" id="{BA8CC153-BE43-0432-DCF7-EF3F2D3C5398}"/>
+              </a:ext>
+            </a:extLst>
+          </p:cNvPr>
+          <p:cNvSpPr txBox="1"/>
+          <p:nvPr/>
         </p:nvSpPr>
         <p:spPr>
           <a:xfrm>
-            <a:off x="6194426" y="276727"/>
-            <a:ext cx="5287879" cy="855496"/>
+            <a:off x="6227618" y="172114"/>
+            <a:ext cx="5763489" cy="584775"/>
           </a:xfrm>
-        </p:spPr>
-        <p:txBody>
-          <a:bodyPr>
-            <a:normAutofit/>
-          </a:bodyPr>
-          <a:lstStyle/>
-          <a:p>
-            <a:r>
-              <a:rPr lang="en-NZ" sz="3200" dirty="0"/>
-              <a:t>Choices</a:t>
-            </a:r>
-          </a:p>
-        </p:txBody>
-      </p:sp>
-      <p:sp>
-        <p:nvSpPr>
-          <p:cNvPr id="6" name="Content Placeholder 5">
-            <a:extLst>
-              <a:ext uri="{FF2B5EF4-FFF2-40B4-BE49-F238E27FC236}">
-                <a16:creationId xmlns:a16="http://schemas.microsoft.com/office/drawing/2014/main" id="{0306A27D-C969-F45F-6D74-7EAD1E4148E4}"/>
-              </a:ext>
-            </a:extLst>
-          </p:cNvPr>
-          <p:cNvSpPr>
-            <a:spLocks noGrp="1"/>
-          </p:cNvSpPr>
-          <p:nvPr>
-            <p:ph sz="quarter" idx="4"/>
-          </p:nvPr>
-        </p:nvSpPr>
-        <p:spPr>
-          <a:xfrm>
-            <a:off x="6194426" y="1269332"/>
-            <a:ext cx="5660690" cy="5311941"/>
-          </a:xfrm>
+          <a:prstGeom prst="rect">
+            <a:avLst/>
+          </a:prstGeom>
         </p:spPr>
         <p:style>
           <a:lnRef idx="2">
@@ -5925,15 +5206,22 @@
           </a:fontRef>
         </p:style>
         <p:txBody>
-          <a:bodyPr>
-            <a:normAutofit fontScale="92500" lnSpcReduction="10000"/>
+          <a:bodyPr wrap="square" rtlCol="0">
+            <a:spAutoFit/>
           </a:bodyPr>
           <a:lstStyle/>
           <a:p>
-            <a:pPr marL="0" indent="0">
-              <a:buNone/>
-            </a:pPr>
-            <a:endParaRPr lang="en-NZ" dirty="0"/>
+            <a:r>
+              <a:rPr lang="en-NZ" sz="1600" b="1" u="sng" dirty="0"/>
+              <a:t>Choices</a:t>
+            </a:r>
+          </a:p>
+          <a:p>
+            <a:r>
+              <a:rPr lang="en-NZ" sz="1600" dirty="0"/>
+              <a:t>Example</a:t>
+            </a:r>
+            <a:endParaRPr lang="en-NZ" sz="1600" b="1" u="sng" dirty="0"/>
           </a:p>
         </p:txBody>
       </p:sp>
